--- a/图片.pptx
+++ b/图片.pptx
@@ -9,6 +9,9 @@
     <p:sldId id="256" r:id="rId3"/>
     <p:sldId id="258" r:id="rId4"/>
     <p:sldId id="259" r:id="rId5"/>
+    <p:sldId id="261" r:id="rId6"/>
+    <p:sldId id="260" r:id="rId7"/>
+    <p:sldId id="262" r:id="rId8"/>
   </p:sldIdLst>
   <p:sldSz cx="12192000" cy="6858000"/>
   <p:notesSz cx="6858000" cy="9144000"/>
@@ -107,45 +110,30 @@
       </a:defRPr>
     </a:lvl9pPr>
   </p:defaultTextStyle>
+  <p:extLst>
+    <p:ext uri="{EFAFB233-063F-42B5-8137-9DF3F51BA10A}">
+      <p15:sldGuideLst xmlns:p15="http://schemas.microsoft.com/office/powerpoint/2012/main"/>
+    </p:ext>
+  </p:extLst>
 </p:presentation>
 </file>
 
 <file path=ppt/commentAuthors.xml><?xml version="1.0" encoding="utf-8"?>
 <p:cmAuthorLst xmlns:a="http://schemas.openxmlformats.org/drawingml/2006/main" xmlns:r="http://schemas.openxmlformats.org/officeDocument/2006/relationships" xmlns:p="http://schemas.openxmlformats.org/presentationml/2006/main">
   <p:cmAuthor id="1" name="administrator" initials="a" lastIdx="1" clrIdx="0">
-    <p:extLst>
-      <p:ext uri="{19B8F6BF-5375-455C-9EA6-DF929625EA0E}">
-        <p15:presenceInfo xmlns:p15="http://schemas.microsoft.com/office/powerpoint/2012/main" userId="" providerId=""/>
-      </p:ext>
-    </p:extLst>
+    <p:extLst/>
   </p:cmAuthor>
   <p:cmAuthor id="2" name="administrator" initials="a [2]" lastIdx="1" clrIdx="1">
-    <p:extLst>
-      <p:ext uri="{19B8F6BF-5375-455C-9EA6-DF929625EA0E}">
-        <p15:presenceInfo xmlns:p15="http://schemas.microsoft.com/office/powerpoint/2012/main" userId="" providerId=""/>
-      </p:ext>
-    </p:extLst>
+    <p:extLst/>
   </p:cmAuthor>
   <p:cmAuthor id="3" name="administrator" initials="a [3]" lastIdx="1" clrIdx="2">
-    <p:extLst>
-      <p:ext uri="{19B8F6BF-5375-455C-9EA6-DF929625EA0E}">
-        <p15:presenceInfo xmlns:p15="http://schemas.microsoft.com/office/powerpoint/2012/main" userId="" providerId=""/>
-      </p:ext>
-    </p:extLst>
+    <p:extLst/>
   </p:cmAuthor>
   <p:cmAuthor id="4" name="administrator" initials="a [3] [2]" lastIdx="1" clrIdx="3">
-    <p:extLst>
-      <p:ext uri="{19B8F6BF-5375-455C-9EA6-DF929625EA0E}">
-        <p15:presenceInfo xmlns:p15="http://schemas.microsoft.com/office/powerpoint/2012/main" userId="" providerId=""/>
-      </p:ext>
-    </p:extLst>
+    <p:extLst/>
   </p:cmAuthor>
   <p:cmAuthor id="5" name="administrator" initials="a [2] [2]" lastIdx="1" clrIdx="4">
-    <p:extLst>
-      <p:ext uri="{19B8F6BF-5375-455C-9EA6-DF929625EA0E}">
-        <p15:presenceInfo xmlns:p15="http://schemas.microsoft.com/office/powerpoint/2012/main" userId="" providerId=""/>
-      </p:ext>
-    </p:extLst>
+    <p:extLst/>
   </p:cmAuthor>
 </p:cmAuthorLst>
 </file>
@@ -206,6 +194,48 @@
 </p:cmLst>
 </file>
 
+<file path=ppt/comments/comment5.xml><?xml version="1.0" encoding="utf-8"?>
+<p:cmLst xmlns:a="http://schemas.openxmlformats.org/drawingml/2006/main" xmlns:r="http://schemas.openxmlformats.org/officeDocument/2006/relationships" xmlns:p="http://schemas.openxmlformats.org/presentationml/2006/main">
+  <p:cm authorId="5" dt="2016-04-01T09:28:52.241" idx="1">
+    <p:pos x="10" y="10"/>
+    <p:text/>
+    <p:extLst>
+      <p:ext uri="{C676402C-5697-4E1C-873F-D02D1690AC5C}">
+        <p15:threadingInfo xmlns:p15="http://schemas.microsoft.com/office/powerpoint/2012/main" timeZoneBias="-480"/>
+      </p:ext>
+    </p:extLst>
+  </p:cm>
+</p:cmLst>
+</file>
+
+<file path=ppt/comments/comment6.xml><?xml version="1.0" encoding="utf-8"?>
+<p:cmLst xmlns:a="http://schemas.openxmlformats.org/drawingml/2006/main" xmlns:r="http://schemas.openxmlformats.org/officeDocument/2006/relationships" xmlns:p="http://schemas.openxmlformats.org/presentationml/2006/main">
+  <p:cm authorId="5" dt="2016-04-01T09:28:52.241" idx="1">
+    <p:pos x="10" y="10"/>
+    <p:text/>
+    <p:extLst>
+      <p:ext uri="{C676402C-5697-4E1C-873F-D02D1690AC5C}">
+        <p15:threadingInfo xmlns:p15="http://schemas.microsoft.com/office/powerpoint/2012/main" timeZoneBias="-480"/>
+      </p:ext>
+    </p:extLst>
+  </p:cm>
+</p:cmLst>
+</file>
+
+<file path=ppt/comments/comment7.xml><?xml version="1.0" encoding="utf-8"?>
+<p:cmLst xmlns:a="http://schemas.openxmlformats.org/drawingml/2006/main" xmlns:r="http://schemas.openxmlformats.org/officeDocument/2006/relationships" xmlns:p="http://schemas.openxmlformats.org/presentationml/2006/main">
+  <p:cm authorId="5" dt="2016-04-01T09:28:52.241" idx="1">
+    <p:pos x="10" y="10"/>
+    <p:text/>
+    <p:extLst>
+      <p:ext uri="{C676402C-5697-4E1C-873F-D02D1690AC5C}">
+        <p15:threadingInfo xmlns:p15="http://schemas.microsoft.com/office/powerpoint/2012/main" timeZoneBias="-480"/>
+      </p:ext>
+    </p:extLst>
+  </p:cm>
+</p:cmLst>
+</file>
+
 <file path=ppt/slideLayouts/slideLayout1.xml><?xml version="1.0" encoding="utf-8"?>
 <p:sldLayout xmlns:a="http://schemas.openxmlformats.org/drawingml/2006/main" xmlns:r="http://schemas.openxmlformats.org/officeDocument/2006/relationships" xmlns:p="http://schemas.openxmlformats.org/presentationml/2006/main" type="title" preserve="1">
   <p:cSld name="Title Slide">
@@ -337,7 +367,7 @@
           <a:p>
             <a:fld id="{6630F629-3AF7-D049-A57E-41B523AC4798}" type="datetimeFigureOut">
               <a:rPr lang="en-US" smtClean="0"/>
-              <a:t>4/1/16</a:t>
+              <a:t>5/7/16</a:t>
             </a:fld>
             <a:endParaRPr lang="en-US"/>
           </a:p>
@@ -507,7 +537,7 @@
           <a:p>
             <a:fld id="{6630F629-3AF7-D049-A57E-41B523AC4798}" type="datetimeFigureOut">
               <a:rPr lang="en-US" smtClean="0"/>
-              <a:t>4/1/16</a:t>
+              <a:t>5/7/16</a:t>
             </a:fld>
             <a:endParaRPr lang="en-US"/>
           </a:p>
@@ -687,7 +717,7 @@
           <a:p>
             <a:fld id="{6630F629-3AF7-D049-A57E-41B523AC4798}" type="datetimeFigureOut">
               <a:rPr lang="en-US" smtClean="0"/>
-              <a:t>4/1/16</a:t>
+              <a:t>5/7/16</a:t>
             </a:fld>
             <a:endParaRPr lang="en-US"/>
           </a:p>
@@ -857,7 +887,7 @@
           <a:p>
             <a:fld id="{6630F629-3AF7-D049-A57E-41B523AC4798}" type="datetimeFigureOut">
               <a:rPr lang="en-US" smtClean="0"/>
-              <a:t>4/1/16</a:t>
+              <a:t>5/7/16</a:t>
             </a:fld>
             <a:endParaRPr lang="en-US"/>
           </a:p>
@@ -1103,7 +1133,7 @@
           <a:p>
             <a:fld id="{6630F629-3AF7-D049-A57E-41B523AC4798}" type="datetimeFigureOut">
               <a:rPr lang="en-US" smtClean="0"/>
-              <a:t>4/1/16</a:t>
+              <a:t>5/7/16</a:t>
             </a:fld>
             <a:endParaRPr lang="en-US"/>
           </a:p>
@@ -1335,7 +1365,7 @@
           <a:p>
             <a:fld id="{6630F629-3AF7-D049-A57E-41B523AC4798}" type="datetimeFigureOut">
               <a:rPr lang="en-US" smtClean="0"/>
-              <a:t>4/1/16</a:t>
+              <a:t>5/7/16</a:t>
             </a:fld>
             <a:endParaRPr lang="en-US"/>
           </a:p>
@@ -1702,7 +1732,7 @@
           <a:p>
             <a:fld id="{6630F629-3AF7-D049-A57E-41B523AC4798}" type="datetimeFigureOut">
               <a:rPr lang="en-US" smtClean="0"/>
-              <a:t>4/1/16</a:t>
+              <a:t>5/7/16</a:t>
             </a:fld>
             <a:endParaRPr lang="en-US"/>
           </a:p>
@@ -1820,7 +1850,7 @@
           <a:p>
             <a:fld id="{6630F629-3AF7-D049-A57E-41B523AC4798}" type="datetimeFigureOut">
               <a:rPr lang="en-US" smtClean="0"/>
-              <a:t>4/1/16</a:t>
+              <a:t>5/7/16</a:t>
             </a:fld>
             <a:endParaRPr lang="en-US"/>
           </a:p>
@@ -1915,7 +1945,7 @@
           <a:p>
             <a:fld id="{6630F629-3AF7-D049-A57E-41B523AC4798}" type="datetimeFigureOut">
               <a:rPr lang="en-US" smtClean="0"/>
-              <a:t>4/1/16</a:t>
+              <a:t>5/7/16</a:t>
             </a:fld>
             <a:endParaRPr lang="en-US"/>
           </a:p>
@@ -2192,7 +2222,7 @@
           <a:p>
             <a:fld id="{6630F629-3AF7-D049-A57E-41B523AC4798}" type="datetimeFigureOut">
               <a:rPr lang="en-US" smtClean="0"/>
-              <a:t>4/1/16</a:t>
+              <a:t>5/7/16</a:t>
             </a:fld>
             <a:endParaRPr lang="en-US"/>
           </a:p>
@@ -2445,7 +2475,7 @@
           <a:p>
             <a:fld id="{6630F629-3AF7-D049-A57E-41B523AC4798}" type="datetimeFigureOut">
               <a:rPr lang="en-US" smtClean="0"/>
-              <a:t>4/1/16</a:t>
+              <a:t>5/7/16</a:t>
             </a:fld>
             <a:endParaRPr lang="en-US"/>
           </a:p>
@@ -2658,7 +2688,7 @@
           <a:p>
             <a:fld id="{6630F629-3AF7-D049-A57E-41B523AC4798}" type="datetimeFigureOut">
               <a:rPr lang="en-US" smtClean="0"/>
-              <a:t>4/1/16</a:t>
+              <a:t>5/7/16</a:t>
             </a:fld>
             <a:endParaRPr lang="en-US"/>
           </a:p>
@@ -4564,6 +4594,1829 @@
 </p:sld>
 </file>
 
+<file path=ppt/slides/slide5.xml><?xml version="1.0" encoding="utf-8"?>
+<p:sld xmlns:a="http://schemas.openxmlformats.org/drawingml/2006/main" xmlns:r="http://schemas.openxmlformats.org/officeDocument/2006/relationships" xmlns:p="http://schemas.openxmlformats.org/presentationml/2006/main">
+  <p:cSld>
+    <p:spTree>
+      <p:nvGrpSpPr>
+        <p:cNvPr id="1" name=""/>
+        <p:cNvGrpSpPr/>
+        <p:nvPr/>
+      </p:nvGrpSpPr>
+      <p:grpSpPr>
+        <a:xfrm>
+          <a:off x="0" y="0"/>
+          <a:ext cx="0" cy="0"/>
+          <a:chOff x="0" y="0"/>
+          <a:chExt cx="0" cy="0"/>
+        </a:xfrm>
+      </p:grpSpPr>
+      <p:grpSp>
+        <p:nvGrpSpPr>
+          <p:cNvPr id="6" name="Group 5"/>
+          <p:cNvGrpSpPr/>
+          <p:nvPr/>
+        </p:nvGrpSpPr>
+        <p:grpSpPr>
+          <a:xfrm>
+            <a:off x="2372498" y="951470"/>
+            <a:ext cx="5885183" cy="4077391"/>
+            <a:chOff x="2372498" y="951470"/>
+            <a:chExt cx="5885183" cy="4077391"/>
+          </a:xfrm>
+        </p:grpSpPr>
+        <p:sp>
+          <p:nvSpPr>
+            <p:cNvPr id="8" name="TextBox 7"/>
+            <p:cNvSpPr txBox="1"/>
+            <p:nvPr/>
+          </p:nvSpPr>
+          <p:spPr>
+            <a:xfrm>
+              <a:off x="2372498" y="983396"/>
+              <a:ext cx="1988686" cy="646331"/>
+            </a:xfrm>
+            <a:prstGeom prst="rect">
+              <a:avLst/>
+            </a:prstGeom>
+          </p:spPr>
+          <p:style>
+            <a:lnRef idx="2">
+              <a:schemeClr val="accent1"/>
+            </a:lnRef>
+            <a:fillRef idx="1">
+              <a:schemeClr val="lt1"/>
+            </a:fillRef>
+            <a:effectRef idx="0">
+              <a:schemeClr val="accent1"/>
+            </a:effectRef>
+            <a:fontRef idx="minor">
+              <a:schemeClr val="dk1"/>
+            </a:fontRef>
+          </p:style>
+          <p:txBody>
+            <a:bodyPr wrap="none" rtlCol="0">
+              <a:spAutoFit/>
+            </a:bodyPr>
+            <a:lstStyle/>
+            <a:p>
+              <a:pPr algn="ctr"/>
+              <a:r>
+                <a:rPr lang="en-US" altLang="zh-CN" dirty="0" smtClean="0"/>
+                <a:t>package1</a:t>
+              </a:r>
+              <a:r>
+                <a:rPr lang="zh-CN" altLang="en-US" dirty="0" smtClean="0"/>
+                <a:t>包源文件</a:t>
+              </a:r>
+              <a:endParaRPr lang="en-US" altLang="zh-CN" dirty="0" smtClean="0"/>
+            </a:p>
+            <a:p>
+              <a:pPr algn="ctr"/>
+              <a:r>
+                <a:rPr lang="en-US" altLang="zh-CN" dirty="0" err="1" smtClean="0"/>
+                <a:t>src</a:t>
+              </a:r>
+              <a:r>
+                <a:rPr lang="zh-CN" altLang="en-US" dirty="0" smtClean="0"/>
+                <a:t>目录下</a:t>
+              </a:r>
+              <a:endParaRPr lang="en-US" dirty="0"/>
+            </a:p>
+          </p:txBody>
+        </p:sp>
+        <p:sp>
+          <p:nvSpPr>
+            <p:cNvPr id="14" name="TextBox 13"/>
+            <p:cNvSpPr txBox="1"/>
+            <p:nvPr/>
+          </p:nvSpPr>
+          <p:spPr>
+            <a:xfrm>
+              <a:off x="4736757" y="4382530"/>
+              <a:ext cx="1338828" cy="646331"/>
+            </a:xfrm>
+            <a:prstGeom prst="rect">
+              <a:avLst/>
+            </a:prstGeom>
+          </p:spPr>
+          <p:style>
+            <a:lnRef idx="2">
+              <a:schemeClr val="accent1"/>
+            </a:lnRef>
+            <a:fillRef idx="1">
+              <a:schemeClr val="lt1"/>
+            </a:fillRef>
+            <a:effectRef idx="0">
+              <a:schemeClr val="accent1"/>
+            </a:effectRef>
+            <a:fontRef idx="minor">
+              <a:schemeClr val="dk1"/>
+            </a:fontRef>
+          </p:style>
+          <p:txBody>
+            <a:bodyPr wrap="none" rtlCol="0">
+              <a:spAutoFit/>
+            </a:bodyPr>
+            <a:lstStyle/>
+            <a:p>
+              <a:r>
+                <a:rPr lang="zh-CN" altLang="en-US" dirty="0" smtClean="0"/>
+                <a:t>可执行文件</a:t>
+              </a:r>
+              <a:endParaRPr lang="en-US" altLang="zh-CN" dirty="0" smtClean="0"/>
+            </a:p>
+            <a:p>
+              <a:pPr algn="ctr"/>
+              <a:r>
+                <a:rPr lang="en-US" altLang="zh-CN" dirty="0" smtClean="0"/>
+                <a:t>bin</a:t>
+              </a:r>
+              <a:r>
+                <a:rPr lang="zh-CN" altLang="en-US" dirty="0" smtClean="0"/>
+                <a:t>目录下</a:t>
+              </a:r>
+              <a:endParaRPr lang="en-US" dirty="0"/>
+            </a:p>
+          </p:txBody>
+        </p:sp>
+        <p:sp>
+          <p:nvSpPr>
+            <p:cNvPr id="15" name="TextBox 14"/>
+            <p:cNvSpPr txBox="1"/>
+            <p:nvPr/>
+          </p:nvSpPr>
+          <p:spPr>
+            <a:xfrm>
+              <a:off x="6268995" y="951470"/>
+              <a:ext cx="1988686" cy="646331"/>
+            </a:xfrm>
+            <a:prstGeom prst="rect">
+              <a:avLst/>
+            </a:prstGeom>
+          </p:spPr>
+          <p:style>
+            <a:lnRef idx="2">
+              <a:schemeClr val="accent1"/>
+            </a:lnRef>
+            <a:fillRef idx="1">
+              <a:schemeClr val="lt1"/>
+            </a:fillRef>
+            <a:effectRef idx="0">
+              <a:schemeClr val="accent1"/>
+            </a:effectRef>
+            <a:fontRef idx="minor">
+              <a:schemeClr val="dk1"/>
+            </a:fontRef>
+          </p:style>
+          <p:txBody>
+            <a:bodyPr wrap="none" rtlCol="0">
+              <a:spAutoFit/>
+            </a:bodyPr>
+            <a:lstStyle/>
+            <a:p>
+              <a:r>
+                <a:rPr lang="en-US" altLang="zh-CN" dirty="0" smtClean="0"/>
+                <a:t>package2</a:t>
+              </a:r>
+              <a:r>
+                <a:rPr lang="zh-CN" altLang="en-US" dirty="0" smtClean="0"/>
+                <a:t>包库文件</a:t>
+              </a:r>
+              <a:endParaRPr lang="en-US" altLang="zh-CN" dirty="0" smtClean="0"/>
+            </a:p>
+            <a:p>
+              <a:pPr algn="ctr"/>
+              <a:r>
+                <a:rPr lang="en-US" altLang="zh-CN" dirty="0" err="1" smtClean="0"/>
+                <a:t>src</a:t>
+              </a:r>
+              <a:r>
+                <a:rPr lang="zh-CN" altLang="en-US" dirty="0" smtClean="0"/>
+                <a:t>目录下</a:t>
+              </a:r>
+              <a:endParaRPr lang="en-US" dirty="0"/>
+            </a:p>
+          </p:txBody>
+        </p:sp>
+        <p:cxnSp>
+          <p:nvCxnSpPr>
+            <p:cNvPr id="22" name="Elbow Connector 21"/>
+            <p:cNvCxnSpPr>
+              <a:stCxn id="8" idx="2"/>
+              <a:endCxn id="14" idx="0"/>
+            </p:cNvCxnSpPr>
+            <p:nvPr/>
+          </p:nvCxnSpPr>
+          <p:spPr>
+            <a:xfrm rot="16200000" flipH="1">
+              <a:off x="3010105" y="1986463"/>
+              <a:ext cx="2752803" cy="2039330"/>
+            </a:xfrm>
+            <a:prstGeom prst="bentConnector3">
+              <a:avLst/>
+            </a:prstGeom>
+            <a:ln>
+              <a:tailEnd type="triangle"/>
+            </a:ln>
+          </p:spPr>
+          <p:style>
+            <a:lnRef idx="1">
+              <a:schemeClr val="accent1"/>
+            </a:lnRef>
+            <a:fillRef idx="0">
+              <a:schemeClr val="accent1"/>
+            </a:fillRef>
+            <a:effectRef idx="0">
+              <a:schemeClr val="accent1"/>
+            </a:effectRef>
+            <a:fontRef idx="minor">
+              <a:schemeClr val="tx1"/>
+            </a:fontRef>
+          </p:style>
+        </p:cxnSp>
+        <p:sp>
+          <p:nvSpPr>
+            <p:cNvPr id="31" name="TextBox 30"/>
+            <p:cNvSpPr txBox="1"/>
+            <p:nvPr/>
+          </p:nvSpPr>
+          <p:spPr>
+            <a:xfrm>
+              <a:off x="4741565" y="2620833"/>
+              <a:ext cx="1334020" cy="369332"/>
+            </a:xfrm>
+            <a:prstGeom prst="rect">
+              <a:avLst/>
+            </a:prstGeom>
+            <a:noFill/>
+          </p:spPr>
+          <p:txBody>
+            <a:bodyPr wrap="none" rtlCol="0">
+              <a:spAutoFit/>
+            </a:bodyPr>
+            <a:lstStyle/>
+            <a:p>
+              <a:r>
+                <a:rPr lang="zh-CN" altLang="en-US" smtClean="0"/>
+                <a:t>编译与链接</a:t>
+              </a:r>
+              <a:endParaRPr lang="en-US" dirty="0"/>
+            </a:p>
+          </p:txBody>
+        </p:sp>
+        <p:cxnSp>
+          <p:nvCxnSpPr>
+            <p:cNvPr id="4" name="Elbow Connector 3"/>
+            <p:cNvCxnSpPr>
+              <a:stCxn id="15" idx="2"/>
+              <a:endCxn id="14" idx="0"/>
+            </p:cNvCxnSpPr>
+            <p:nvPr/>
+          </p:nvCxnSpPr>
+          <p:spPr>
+            <a:xfrm rot="5400000">
+              <a:off x="4942391" y="2061582"/>
+              <a:ext cx="2784729" cy="1857167"/>
+            </a:xfrm>
+            <a:prstGeom prst="bentConnector3">
+              <a:avLst>
+                <a:gd name="adj1" fmla="val 50888"/>
+              </a:avLst>
+            </a:prstGeom>
+            <a:ln>
+              <a:tailEnd type="triangle"/>
+            </a:ln>
+          </p:spPr>
+          <p:style>
+            <a:lnRef idx="1">
+              <a:schemeClr val="accent1"/>
+            </a:lnRef>
+            <a:fillRef idx="0">
+              <a:schemeClr val="accent1"/>
+            </a:fillRef>
+            <a:effectRef idx="0">
+              <a:schemeClr val="accent1"/>
+            </a:effectRef>
+            <a:fontRef idx="minor">
+              <a:schemeClr val="tx1"/>
+            </a:fontRef>
+          </p:style>
+        </p:cxnSp>
+      </p:grpSp>
+    </p:spTree>
+    <p:extLst>
+      <p:ext uri="{BB962C8B-B14F-4D97-AF65-F5344CB8AC3E}">
+        <p14:creationId xmlns:p14="http://schemas.microsoft.com/office/powerpoint/2010/main" val="736584902"/>
+      </p:ext>
+    </p:extLst>
+  </p:cSld>
+  <p:clrMapOvr>
+    <a:masterClrMapping/>
+  </p:clrMapOvr>
+</p:sld>
+</file>
+
+<file path=ppt/slides/slide6.xml><?xml version="1.0" encoding="utf-8"?>
+<p:sld xmlns:a="http://schemas.openxmlformats.org/drawingml/2006/main" xmlns:r="http://schemas.openxmlformats.org/officeDocument/2006/relationships" xmlns:p="http://schemas.openxmlformats.org/presentationml/2006/main">
+  <p:cSld>
+    <p:spTree>
+      <p:nvGrpSpPr>
+        <p:cNvPr id="1" name=""/>
+        <p:cNvGrpSpPr/>
+        <p:nvPr/>
+      </p:nvGrpSpPr>
+      <p:grpSpPr>
+        <a:xfrm>
+          <a:off x="0" y="0"/>
+          <a:ext cx="0" cy="0"/>
+          <a:chOff x="0" y="0"/>
+          <a:chExt cx="0" cy="0"/>
+        </a:xfrm>
+      </p:grpSpPr>
+      <p:grpSp>
+        <p:nvGrpSpPr>
+          <p:cNvPr id="44" name="Group 43"/>
+          <p:cNvGrpSpPr/>
+          <p:nvPr/>
+        </p:nvGrpSpPr>
+        <p:grpSpPr>
+          <a:xfrm>
+            <a:off x="803190" y="968631"/>
+            <a:ext cx="9135350" cy="5444187"/>
+            <a:chOff x="803190" y="968631"/>
+            <a:chExt cx="9135350" cy="5444187"/>
+          </a:xfrm>
+        </p:grpSpPr>
+        <p:sp>
+          <p:nvSpPr>
+            <p:cNvPr id="8" name="TextBox 7"/>
+            <p:cNvSpPr txBox="1"/>
+            <p:nvPr/>
+          </p:nvSpPr>
+          <p:spPr>
+            <a:xfrm>
+              <a:off x="803190" y="2367353"/>
+              <a:ext cx="1988686" cy="646331"/>
+            </a:xfrm>
+            <a:prstGeom prst="rect">
+              <a:avLst/>
+            </a:prstGeom>
+          </p:spPr>
+          <p:style>
+            <a:lnRef idx="2">
+              <a:schemeClr val="accent1"/>
+            </a:lnRef>
+            <a:fillRef idx="1">
+              <a:schemeClr val="lt1"/>
+            </a:fillRef>
+            <a:effectRef idx="0">
+              <a:schemeClr val="accent1"/>
+            </a:effectRef>
+            <a:fontRef idx="minor">
+              <a:schemeClr val="dk1"/>
+            </a:fontRef>
+          </p:style>
+          <p:txBody>
+            <a:bodyPr wrap="none" rtlCol="0">
+              <a:spAutoFit/>
+            </a:bodyPr>
+            <a:lstStyle/>
+            <a:p>
+              <a:pPr algn="ctr"/>
+              <a:r>
+                <a:rPr lang="en-US" altLang="zh-CN" dirty="0" smtClean="0"/>
+                <a:t>package1</a:t>
+              </a:r>
+              <a:r>
+                <a:rPr lang="zh-CN" altLang="en-US" dirty="0" smtClean="0"/>
+                <a:t>包源文件</a:t>
+              </a:r>
+              <a:endParaRPr lang="en-US" altLang="zh-CN" dirty="0" smtClean="0"/>
+            </a:p>
+            <a:p>
+              <a:pPr algn="ctr"/>
+              <a:r>
+                <a:rPr lang="en-US" altLang="zh-CN" dirty="0" err="1" smtClean="0"/>
+                <a:t>src</a:t>
+              </a:r>
+              <a:r>
+                <a:rPr lang="zh-CN" altLang="en-US" dirty="0" smtClean="0"/>
+                <a:t>目录下</a:t>
+              </a:r>
+              <a:endParaRPr lang="en-US" dirty="0"/>
+            </a:p>
+          </p:txBody>
+        </p:sp>
+        <p:sp>
+          <p:nvSpPr>
+            <p:cNvPr id="13" name="TextBox 12"/>
+            <p:cNvSpPr txBox="1"/>
+            <p:nvPr/>
+          </p:nvSpPr>
+          <p:spPr>
+            <a:xfrm>
+              <a:off x="803190" y="3706002"/>
+              <a:ext cx="1988686" cy="646331"/>
+            </a:xfrm>
+            <a:prstGeom prst="rect">
+              <a:avLst/>
+            </a:prstGeom>
+          </p:spPr>
+          <p:style>
+            <a:lnRef idx="2">
+              <a:schemeClr val="accent1"/>
+            </a:lnRef>
+            <a:fillRef idx="1">
+              <a:schemeClr val="lt1"/>
+            </a:fillRef>
+            <a:effectRef idx="0">
+              <a:schemeClr val="accent1"/>
+            </a:effectRef>
+            <a:fontRef idx="minor">
+              <a:schemeClr val="dk1"/>
+            </a:fontRef>
+          </p:style>
+          <p:txBody>
+            <a:bodyPr wrap="none" rtlCol="0">
+              <a:spAutoFit/>
+            </a:bodyPr>
+            <a:lstStyle/>
+            <a:p>
+              <a:r>
+                <a:rPr lang="en-US" altLang="zh-CN" dirty="0" smtClean="0"/>
+                <a:t>package1</a:t>
+              </a:r>
+              <a:r>
+                <a:rPr lang="zh-CN" altLang="en-US" dirty="0" smtClean="0"/>
+                <a:t>包库文件</a:t>
+              </a:r>
+              <a:endParaRPr lang="en-US" altLang="zh-CN" dirty="0" smtClean="0"/>
+            </a:p>
+            <a:p>
+              <a:pPr algn="ctr"/>
+              <a:r>
+                <a:rPr lang="en-US" altLang="zh-CN" dirty="0" err="1" smtClean="0"/>
+                <a:t>pkg</a:t>
+              </a:r>
+              <a:r>
+                <a:rPr lang="zh-CN" altLang="en-US" dirty="0" smtClean="0"/>
+                <a:t>目录下</a:t>
+              </a:r>
+              <a:endParaRPr lang="en-US" dirty="0"/>
+            </a:p>
+          </p:txBody>
+        </p:sp>
+        <p:sp>
+          <p:nvSpPr>
+            <p:cNvPr id="14" name="TextBox 13"/>
+            <p:cNvSpPr txBox="1"/>
+            <p:nvPr/>
+          </p:nvSpPr>
+          <p:spPr>
+            <a:xfrm>
+              <a:off x="3167449" y="5766487"/>
+              <a:ext cx="1338828" cy="646331"/>
+            </a:xfrm>
+            <a:prstGeom prst="rect">
+              <a:avLst/>
+            </a:prstGeom>
+          </p:spPr>
+          <p:style>
+            <a:lnRef idx="2">
+              <a:schemeClr val="accent1"/>
+            </a:lnRef>
+            <a:fillRef idx="1">
+              <a:schemeClr val="lt1"/>
+            </a:fillRef>
+            <a:effectRef idx="0">
+              <a:schemeClr val="accent1"/>
+            </a:effectRef>
+            <a:fontRef idx="minor">
+              <a:schemeClr val="dk1"/>
+            </a:fontRef>
+          </p:style>
+          <p:txBody>
+            <a:bodyPr wrap="none" rtlCol="0">
+              <a:spAutoFit/>
+            </a:bodyPr>
+            <a:lstStyle/>
+            <a:p>
+              <a:r>
+                <a:rPr lang="zh-CN" altLang="en-US" dirty="0" smtClean="0"/>
+                <a:t>可执行文件</a:t>
+              </a:r>
+              <a:endParaRPr lang="en-US" altLang="zh-CN" dirty="0" smtClean="0"/>
+            </a:p>
+            <a:p>
+              <a:pPr algn="ctr"/>
+              <a:r>
+                <a:rPr lang="en-US" altLang="zh-CN" dirty="0" smtClean="0"/>
+                <a:t>bin</a:t>
+              </a:r>
+              <a:r>
+                <a:rPr lang="zh-CN" altLang="en-US" dirty="0" smtClean="0"/>
+                <a:t>目录下</a:t>
+              </a:r>
+              <a:endParaRPr lang="en-US" dirty="0"/>
+            </a:p>
+          </p:txBody>
+        </p:sp>
+        <p:sp>
+          <p:nvSpPr>
+            <p:cNvPr id="15" name="TextBox 14"/>
+            <p:cNvSpPr txBox="1"/>
+            <p:nvPr/>
+          </p:nvSpPr>
+          <p:spPr>
+            <a:xfrm>
+              <a:off x="4699687" y="2335427"/>
+              <a:ext cx="1988686" cy="646331"/>
+            </a:xfrm>
+            <a:prstGeom prst="rect">
+              <a:avLst/>
+            </a:prstGeom>
+          </p:spPr>
+          <p:style>
+            <a:lnRef idx="2">
+              <a:schemeClr val="accent1"/>
+            </a:lnRef>
+            <a:fillRef idx="1">
+              <a:schemeClr val="lt1"/>
+            </a:fillRef>
+            <a:effectRef idx="0">
+              <a:schemeClr val="accent1"/>
+            </a:effectRef>
+            <a:fontRef idx="minor">
+              <a:schemeClr val="dk1"/>
+            </a:fontRef>
+          </p:style>
+          <p:txBody>
+            <a:bodyPr wrap="none" rtlCol="0">
+              <a:spAutoFit/>
+            </a:bodyPr>
+            <a:lstStyle/>
+            <a:p>
+              <a:r>
+                <a:rPr lang="en-US" altLang="zh-CN" dirty="0" smtClean="0"/>
+                <a:t>package2</a:t>
+              </a:r>
+              <a:r>
+                <a:rPr lang="zh-CN" altLang="en-US" dirty="0" smtClean="0"/>
+                <a:t>包库文件</a:t>
+              </a:r>
+              <a:endParaRPr lang="en-US" altLang="zh-CN" dirty="0" smtClean="0"/>
+            </a:p>
+            <a:p>
+              <a:pPr algn="ctr"/>
+              <a:r>
+                <a:rPr lang="en-US" altLang="zh-CN" dirty="0" err="1" smtClean="0"/>
+                <a:t>src</a:t>
+              </a:r>
+              <a:r>
+                <a:rPr lang="zh-CN" altLang="en-US" dirty="0" smtClean="0"/>
+                <a:t>目录下</a:t>
+              </a:r>
+              <a:endParaRPr lang="en-US" dirty="0"/>
+            </a:p>
+          </p:txBody>
+        </p:sp>
+        <p:sp>
+          <p:nvSpPr>
+            <p:cNvPr id="16" name="TextBox 15"/>
+            <p:cNvSpPr txBox="1"/>
+            <p:nvPr/>
+          </p:nvSpPr>
+          <p:spPr>
+            <a:xfrm>
+              <a:off x="4699687" y="3702223"/>
+              <a:ext cx="1988686" cy="646331"/>
+            </a:xfrm>
+            <a:prstGeom prst="rect">
+              <a:avLst/>
+            </a:prstGeom>
+          </p:spPr>
+          <p:style>
+            <a:lnRef idx="2">
+              <a:schemeClr val="accent1"/>
+            </a:lnRef>
+            <a:fillRef idx="1">
+              <a:schemeClr val="lt1"/>
+            </a:fillRef>
+            <a:effectRef idx="0">
+              <a:schemeClr val="accent1"/>
+            </a:effectRef>
+            <a:fontRef idx="minor">
+              <a:schemeClr val="dk1"/>
+            </a:fontRef>
+          </p:style>
+          <p:txBody>
+            <a:bodyPr wrap="none" rtlCol="0">
+              <a:spAutoFit/>
+            </a:bodyPr>
+            <a:lstStyle/>
+            <a:p>
+              <a:pPr algn="ctr"/>
+              <a:r>
+                <a:rPr lang="en-US" altLang="zh-CN" dirty="0" smtClean="0"/>
+                <a:t>package2</a:t>
+              </a:r>
+              <a:r>
+                <a:rPr lang="zh-CN" altLang="en-US" dirty="0" smtClean="0"/>
+                <a:t>包库文件</a:t>
+              </a:r>
+              <a:endParaRPr lang="en-US" altLang="zh-CN" dirty="0" smtClean="0"/>
+            </a:p>
+            <a:p>
+              <a:pPr algn="ctr"/>
+              <a:r>
+                <a:rPr lang="en-US" altLang="zh-CN" dirty="0" err="1" smtClean="0"/>
+                <a:t>pkg</a:t>
+              </a:r>
+              <a:r>
+                <a:rPr lang="zh-CN" altLang="en-US" dirty="0" smtClean="0"/>
+                <a:t>目录下</a:t>
+              </a:r>
+              <a:endParaRPr lang="en-US" dirty="0"/>
+            </a:p>
+          </p:txBody>
+        </p:sp>
+        <p:cxnSp>
+          <p:nvCxnSpPr>
+            <p:cNvPr id="18" name="Straight Arrow Connector 17"/>
+            <p:cNvCxnSpPr>
+              <a:stCxn id="8" idx="2"/>
+              <a:endCxn id="13" idx="0"/>
+            </p:cNvCxnSpPr>
+            <p:nvPr/>
+          </p:nvCxnSpPr>
+          <p:spPr>
+            <a:xfrm>
+              <a:off x="1797533" y="3013684"/>
+              <a:ext cx="0" cy="692318"/>
+            </a:xfrm>
+            <a:prstGeom prst="straightConnector1">
+              <a:avLst/>
+            </a:prstGeom>
+            <a:ln>
+              <a:tailEnd type="triangle"/>
+            </a:ln>
+          </p:spPr>
+          <p:style>
+            <a:lnRef idx="1">
+              <a:schemeClr val="accent1"/>
+            </a:lnRef>
+            <a:fillRef idx="0">
+              <a:schemeClr val="accent1"/>
+            </a:fillRef>
+            <a:effectRef idx="0">
+              <a:schemeClr val="accent1"/>
+            </a:effectRef>
+            <a:fontRef idx="minor">
+              <a:schemeClr val="tx1"/>
+            </a:fontRef>
+          </p:style>
+        </p:cxnSp>
+        <p:cxnSp>
+          <p:nvCxnSpPr>
+            <p:cNvPr id="20" name="Straight Arrow Connector 19"/>
+            <p:cNvCxnSpPr>
+              <a:stCxn id="15" idx="2"/>
+              <a:endCxn id="16" idx="0"/>
+            </p:cNvCxnSpPr>
+            <p:nvPr/>
+          </p:nvCxnSpPr>
+          <p:spPr>
+            <a:xfrm>
+              <a:off x="5694030" y="2981758"/>
+              <a:ext cx="0" cy="720465"/>
+            </a:xfrm>
+            <a:prstGeom prst="straightConnector1">
+              <a:avLst/>
+            </a:prstGeom>
+            <a:ln>
+              <a:tailEnd type="triangle"/>
+            </a:ln>
+          </p:spPr>
+          <p:style>
+            <a:lnRef idx="1">
+              <a:schemeClr val="accent1"/>
+            </a:lnRef>
+            <a:fillRef idx="0">
+              <a:schemeClr val="accent1"/>
+            </a:fillRef>
+            <a:effectRef idx="0">
+              <a:schemeClr val="accent1"/>
+            </a:effectRef>
+            <a:fontRef idx="minor">
+              <a:schemeClr val="tx1"/>
+            </a:fontRef>
+          </p:style>
+        </p:cxnSp>
+        <p:cxnSp>
+          <p:nvCxnSpPr>
+            <p:cNvPr id="22" name="Elbow Connector 21"/>
+            <p:cNvCxnSpPr>
+              <a:stCxn id="13" idx="2"/>
+              <a:endCxn id="14" idx="0"/>
+            </p:cNvCxnSpPr>
+            <p:nvPr/>
+          </p:nvCxnSpPr>
+          <p:spPr>
+            <a:xfrm rot="16200000" flipH="1">
+              <a:off x="2110121" y="4039745"/>
+              <a:ext cx="1414154" cy="2039330"/>
+            </a:xfrm>
+            <a:prstGeom prst="bentConnector3">
+              <a:avLst/>
+            </a:prstGeom>
+            <a:ln>
+              <a:tailEnd type="triangle"/>
+            </a:ln>
+          </p:spPr>
+          <p:style>
+            <a:lnRef idx="1">
+              <a:schemeClr val="accent1"/>
+            </a:lnRef>
+            <a:fillRef idx="0">
+              <a:schemeClr val="accent1"/>
+            </a:fillRef>
+            <a:effectRef idx="0">
+              <a:schemeClr val="accent1"/>
+            </a:effectRef>
+            <a:fontRef idx="minor">
+              <a:schemeClr val="tx1"/>
+            </a:fontRef>
+          </p:style>
+        </p:cxnSp>
+        <p:cxnSp>
+          <p:nvCxnSpPr>
+            <p:cNvPr id="24" name="Elbow Connector 23"/>
+            <p:cNvCxnSpPr>
+              <a:stCxn id="16" idx="2"/>
+              <a:endCxn id="14" idx="0"/>
+            </p:cNvCxnSpPr>
+            <p:nvPr/>
+          </p:nvCxnSpPr>
+          <p:spPr>
+            <a:xfrm rot="5400000">
+              <a:off x="4056481" y="4128937"/>
+              <a:ext cx="1417933" cy="1857167"/>
+            </a:xfrm>
+            <a:prstGeom prst="bentConnector3">
+              <a:avLst>
+                <a:gd name="adj1" fmla="val 50000"/>
+              </a:avLst>
+            </a:prstGeom>
+            <a:ln>
+              <a:tailEnd type="triangle"/>
+            </a:ln>
+          </p:spPr>
+          <p:style>
+            <a:lnRef idx="1">
+              <a:schemeClr val="accent1"/>
+            </a:lnRef>
+            <a:fillRef idx="0">
+              <a:schemeClr val="accent1"/>
+            </a:fillRef>
+            <a:effectRef idx="0">
+              <a:schemeClr val="accent1"/>
+            </a:effectRef>
+            <a:fontRef idx="minor">
+              <a:schemeClr val="tx1"/>
+            </a:fontRef>
+          </p:style>
+        </p:cxnSp>
+        <p:sp>
+          <p:nvSpPr>
+            <p:cNvPr id="29" name="TextBox 28"/>
+            <p:cNvSpPr txBox="1"/>
+            <p:nvPr/>
+          </p:nvSpPr>
+          <p:spPr>
+            <a:xfrm>
+              <a:off x="1797533" y="3192851"/>
+              <a:ext cx="646331" cy="369332"/>
+            </a:xfrm>
+            <a:prstGeom prst="rect">
+              <a:avLst/>
+            </a:prstGeom>
+            <a:noFill/>
+          </p:spPr>
+          <p:txBody>
+            <a:bodyPr wrap="none" rtlCol="0">
+              <a:spAutoFit/>
+            </a:bodyPr>
+            <a:lstStyle/>
+            <a:p>
+              <a:r>
+                <a:rPr lang="zh-CN" altLang="en-US" smtClean="0"/>
+                <a:t>编译</a:t>
+              </a:r>
+              <a:endParaRPr lang="en-US" dirty="0"/>
+            </a:p>
+          </p:txBody>
+        </p:sp>
+        <p:sp>
+          <p:nvSpPr>
+            <p:cNvPr id="30" name="TextBox 29"/>
+            <p:cNvSpPr txBox="1"/>
+            <p:nvPr/>
+          </p:nvSpPr>
+          <p:spPr>
+            <a:xfrm>
+              <a:off x="4892399" y="3192851"/>
+              <a:ext cx="646331" cy="369332"/>
+            </a:xfrm>
+            <a:prstGeom prst="rect">
+              <a:avLst/>
+            </a:prstGeom>
+            <a:noFill/>
+          </p:spPr>
+          <p:txBody>
+            <a:bodyPr wrap="none" rtlCol="0">
+              <a:spAutoFit/>
+            </a:bodyPr>
+            <a:lstStyle/>
+            <a:p>
+              <a:r>
+                <a:rPr lang="zh-CN" altLang="en-US" smtClean="0"/>
+                <a:t>编译</a:t>
+              </a:r>
+              <a:endParaRPr lang="en-US" dirty="0"/>
+            </a:p>
+          </p:txBody>
+        </p:sp>
+        <p:sp>
+          <p:nvSpPr>
+            <p:cNvPr id="31" name="TextBox 30"/>
+            <p:cNvSpPr txBox="1"/>
+            <p:nvPr/>
+          </p:nvSpPr>
+          <p:spPr>
+            <a:xfrm>
+              <a:off x="3513697" y="4573544"/>
+              <a:ext cx="646331" cy="369332"/>
+            </a:xfrm>
+            <a:prstGeom prst="rect">
+              <a:avLst/>
+            </a:prstGeom>
+            <a:noFill/>
+          </p:spPr>
+          <p:txBody>
+            <a:bodyPr wrap="none" rtlCol="0">
+              <a:spAutoFit/>
+            </a:bodyPr>
+            <a:lstStyle/>
+            <a:p>
+              <a:r>
+                <a:rPr lang="zh-CN" altLang="en-US" dirty="0" smtClean="0"/>
+                <a:t>链接</a:t>
+              </a:r>
+              <a:endParaRPr lang="en-US" dirty="0"/>
+            </a:p>
+          </p:txBody>
+        </p:sp>
+        <p:sp>
+          <p:nvSpPr>
+            <p:cNvPr id="33" name="TextBox 32"/>
+            <p:cNvSpPr txBox="1"/>
+            <p:nvPr/>
+          </p:nvSpPr>
+          <p:spPr>
+            <a:xfrm>
+              <a:off x="7949854" y="968631"/>
+              <a:ext cx="1988686" cy="646331"/>
+            </a:xfrm>
+            <a:prstGeom prst="rect">
+              <a:avLst/>
+            </a:prstGeom>
+          </p:spPr>
+          <p:style>
+            <a:lnRef idx="2">
+              <a:schemeClr val="accent1"/>
+            </a:lnRef>
+            <a:fillRef idx="1">
+              <a:schemeClr val="lt1"/>
+            </a:fillRef>
+            <a:effectRef idx="0">
+              <a:schemeClr val="accent1"/>
+            </a:effectRef>
+            <a:fontRef idx="minor">
+              <a:schemeClr val="dk1"/>
+            </a:fontRef>
+          </p:style>
+          <p:txBody>
+            <a:bodyPr wrap="none" rtlCol="0">
+              <a:spAutoFit/>
+            </a:bodyPr>
+            <a:lstStyle/>
+            <a:p>
+              <a:r>
+                <a:rPr lang="en-US" altLang="zh-CN" dirty="0" smtClean="0"/>
+                <a:t>package3</a:t>
+              </a:r>
+              <a:r>
+                <a:rPr lang="zh-CN" altLang="en-US" dirty="0" smtClean="0"/>
+                <a:t>包库文件</a:t>
+              </a:r>
+              <a:endParaRPr lang="en-US" altLang="zh-CN" dirty="0" smtClean="0"/>
+            </a:p>
+            <a:p>
+              <a:pPr algn="ctr"/>
+              <a:r>
+                <a:rPr lang="en-US" altLang="zh-CN" dirty="0" err="1" smtClean="0"/>
+                <a:t>src</a:t>
+              </a:r>
+              <a:r>
+                <a:rPr lang="zh-CN" altLang="en-US" dirty="0" smtClean="0"/>
+                <a:t>目录下</a:t>
+              </a:r>
+              <a:endParaRPr lang="en-US" dirty="0"/>
+            </a:p>
+          </p:txBody>
+        </p:sp>
+        <p:sp>
+          <p:nvSpPr>
+            <p:cNvPr id="34" name="TextBox 33"/>
+            <p:cNvSpPr txBox="1"/>
+            <p:nvPr/>
+          </p:nvSpPr>
+          <p:spPr>
+            <a:xfrm>
+              <a:off x="7949854" y="2335427"/>
+              <a:ext cx="1988686" cy="646331"/>
+            </a:xfrm>
+            <a:prstGeom prst="rect">
+              <a:avLst/>
+            </a:prstGeom>
+          </p:spPr>
+          <p:style>
+            <a:lnRef idx="2">
+              <a:schemeClr val="accent1"/>
+            </a:lnRef>
+            <a:fillRef idx="1">
+              <a:schemeClr val="lt1"/>
+            </a:fillRef>
+            <a:effectRef idx="0">
+              <a:schemeClr val="accent1"/>
+            </a:effectRef>
+            <a:fontRef idx="minor">
+              <a:schemeClr val="dk1"/>
+            </a:fontRef>
+          </p:style>
+          <p:txBody>
+            <a:bodyPr wrap="none" rtlCol="0">
+              <a:spAutoFit/>
+            </a:bodyPr>
+            <a:lstStyle/>
+            <a:p>
+              <a:pPr algn="ctr"/>
+              <a:r>
+                <a:rPr lang="en-US" altLang="zh-CN" dirty="0" smtClean="0"/>
+                <a:t>package3</a:t>
+              </a:r>
+              <a:r>
+                <a:rPr lang="zh-CN" altLang="en-US" dirty="0" smtClean="0"/>
+                <a:t>包库文件</a:t>
+              </a:r>
+              <a:endParaRPr lang="en-US" altLang="zh-CN" dirty="0" smtClean="0"/>
+            </a:p>
+            <a:p>
+              <a:pPr algn="ctr"/>
+              <a:r>
+                <a:rPr lang="en-US" altLang="zh-CN" dirty="0" err="1" smtClean="0"/>
+                <a:t>pkg</a:t>
+              </a:r>
+              <a:r>
+                <a:rPr lang="zh-CN" altLang="en-US" dirty="0" smtClean="0"/>
+                <a:t>目录下</a:t>
+              </a:r>
+              <a:endParaRPr lang="en-US" dirty="0"/>
+            </a:p>
+          </p:txBody>
+        </p:sp>
+        <p:cxnSp>
+          <p:nvCxnSpPr>
+            <p:cNvPr id="35" name="Straight Arrow Connector 34"/>
+            <p:cNvCxnSpPr/>
+            <p:nvPr/>
+          </p:nvCxnSpPr>
+          <p:spPr>
+            <a:xfrm>
+              <a:off x="8944197" y="1614962"/>
+              <a:ext cx="0" cy="720465"/>
+            </a:xfrm>
+            <a:prstGeom prst="straightConnector1">
+              <a:avLst/>
+            </a:prstGeom>
+            <a:ln>
+              <a:tailEnd type="triangle"/>
+            </a:ln>
+          </p:spPr>
+          <p:style>
+            <a:lnRef idx="1">
+              <a:schemeClr val="accent1"/>
+            </a:lnRef>
+            <a:fillRef idx="0">
+              <a:schemeClr val="accent1"/>
+            </a:fillRef>
+            <a:effectRef idx="0">
+              <a:schemeClr val="accent1"/>
+            </a:effectRef>
+            <a:fontRef idx="minor">
+              <a:schemeClr val="tx1"/>
+            </a:fontRef>
+          </p:style>
+        </p:cxnSp>
+        <p:sp>
+          <p:nvSpPr>
+            <p:cNvPr id="36" name="TextBox 35"/>
+            <p:cNvSpPr txBox="1"/>
+            <p:nvPr/>
+          </p:nvSpPr>
+          <p:spPr>
+            <a:xfrm>
+              <a:off x="8142566" y="1826055"/>
+              <a:ext cx="646331" cy="369332"/>
+            </a:xfrm>
+            <a:prstGeom prst="rect">
+              <a:avLst/>
+            </a:prstGeom>
+            <a:noFill/>
+          </p:spPr>
+          <p:txBody>
+            <a:bodyPr wrap="none" rtlCol="0">
+              <a:spAutoFit/>
+            </a:bodyPr>
+            <a:lstStyle/>
+            <a:p>
+              <a:r>
+                <a:rPr lang="zh-CN" altLang="en-US" smtClean="0"/>
+                <a:t>编译</a:t>
+              </a:r>
+              <a:endParaRPr lang="en-US" dirty="0"/>
+            </a:p>
+          </p:txBody>
+        </p:sp>
+        <p:cxnSp>
+          <p:nvCxnSpPr>
+            <p:cNvPr id="38" name="Elbow Connector 37"/>
+            <p:cNvCxnSpPr>
+              <a:stCxn id="34" idx="2"/>
+              <a:endCxn id="14" idx="0"/>
+            </p:cNvCxnSpPr>
+            <p:nvPr/>
+          </p:nvCxnSpPr>
+          <p:spPr>
+            <a:xfrm rot="5400000">
+              <a:off x="4998166" y="1820455"/>
+              <a:ext cx="2784729" cy="5107334"/>
+            </a:xfrm>
+            <a:prstGeom prst="bentConnector3">
+              <a:avLst>
+                <a:gd name="adj1" fmla="val 74849"/>
+              </a:avLst>
+            </a:prstGeom>
+            <a:ln>
+              <a:tailEnd type="triangle"/>
+            </a:ln>
+          </p:spPr>
+          <p:style>
+            <a:lnRef idx="1">
+              <a:schemeClr val="accent1"/>
+            </a:lnRef>
+            <a:fillRef idx="0">
+              <a:schemeClr val="accent1"/>
+            </a:fillRef>
+            <a:effectRef idx="0">
+              <a:schemeClr val="accent1"/>
+            </a:effectRef>
+            <a:fontRef idx="minor">
+              <a:schemeClr val="tx1"/>
+            </a:fontRef>
+          </p:style>
+        </p:cxnSp>
+        <p:cxnSp>
+          <p:nvCxnSpPr>
+            <p:cNvPr id="41" name="Straight Arrow Connector 40"/>
+            <p:cNvCxnSpPr>
+              <a:stCxn id="15" idx="3"/>
+              <a:endCxn id="33" idx="1"/>
+            </p:cNvCxnSpPr>
+            <p:nvPr/>
+          </p:nvCxnSpPr>
+          <p:spPr>
+            <a:xfrm flipV="1">
+              <a:off x="6688373" y="1291797"/>
+              <a:ext cx="1261481" cy="1366796"/>
+            </a:xfrm>
+            <a:prstGeom prst="straightConnector1">
+              <a:avLst/>
+            </a:prstGeom>
+            <a:ln>
+              <a:prstDash val="dash"/>
+              <a:tailEnd type="triangle"/>
+            </a:ln>
+          </p:spPr>
+          <p:style>
+            <a:lnRef idx="1">
+              <a:schemeClr val="accent1"/>
+            </a:lnRef>
+            <a:fillRef idx="0">
+              <a:schemeClr val="accent1"/>
+            </a:fillRef>
+            <a:effectRef idx="0">
+              <a:schemeClr val="accent1"/>
+            </a:effectRef>
+            <a:fontRef idx="minor">
+              <a:schemeClr val="tx1"/>
+            </a:fontRef>
+          </p:style>
+        </p:cxnSp>
+        <p:sp>
+          <p:nvSpPr>
+            <p:cNvPr id="42" name="TextBox 41"/>
+            <p:cNvSpPr txBox="1"/>
+            <p:nvPr/>
+          </p:nvSpPr>
+          <p:spPr>
+            <a:xfrm>
+              <a:off x="6672782" y="1678116"/>
+              <a:ext cx="646331" cy="369332"/>
+            </a:xfrm>
+            <a:prstGeom prst="rect">
+              <a:avLst/>
+            </a:prstGeom>
+            <a:noFill/>
+          </p:spPr>
+          <p:txBody>
+            <a:bodyPr wrap="none" rtlCol="0">
+              <a:spAutoFit/>
+            </a:bodyPr>
+            <a:lstStyle/>
+            <a:p>
+              <a:r>
+                <a:rPr lang="zh-CN" altLang="en-US" smtClean="0"/>
+                <a:t>依赖</a:t>
+              </a:r>
+              <a:endParaRPr lang="en-US" dirty="0"/>
+            </a:p>
+          </p:txBody>
+        </p:sp>
+      </p:grpSp>
+    </p:spTree>
+    <p:extLst>
+      <p:ext uri="{BB962C8B-B14F-4D97-AF65-F5344CB8AC3E}">
+        <p14:creationId xmlns:p14="http://schemas.microsoft.com/office/powerpoint/2010/main" val="278551061"/>
+      </p:ext>
+    </p:extLst>
+  </p:cSld>
+  <p:clrMapOvr>
+    <a:masterClrMapping/>
+  </p:clrMapOvr>
+</p:sld>
+</file>
+
+<file path=ppt/slides/slide7.xml><?xml version="1.0" encoding="utf-8"?>
+<p:sld xmlns:a="http://schemas.openxmlformats.org/drawingml/2006/main" xmlns:r="http://schemas.openxmlformats.org/officeDocument/2006/relationships" xmlns:p="http://schemas.openxmlformats.org/presentationml/2006/main">
+  <p:cSld>
+    <p:spTree>
+      <p:nvGrpSpPr>
+        <p:cNvPr id="1" name=""/>
+        <p:cNvGrpSpPr/>
+        <p:nvPr/>
+      </p:nvGrpSpPr>
+      <p:grpSpPr>
+        <a:xfrm>
+          <a:off x="0" y="0"/>
+          <a:ext cx="0" cy="0"/>
+          <a:chOff x="0" y="0"/>
+          <a:chExt cx="0" cy="0"/>
+        </a:xfrm>
+      </p:grpSpPr>
+      <p:grpSp>
+        <p:nvGrpSpPr>
+          <p:cNvPr id="19" name="Group 18"/>
+          <p:cNvGrpSpPr/>
+          <p:nvPr/>
+        </p:nvGrpSpPr>
+        <p:grpSpPr>
+          <a:xfrm>
+            <a:off x="1095634" y="757960"/>
+            <a:ext cx="5204342" cy="5654858"/>
+            <a:chOff x="1095634" y="757960"/>
+            <a:chExt cx="5204342" cy="5654858"/>
+          </a:xfrm>
+        </p:grpSpPr>
+        <p:sp>
+          <p:nvSpPr>
+            <p:cNvPr id="27" name="TextBox 26"/>
+            <p:cNvSpPr txBox="1"/>
+            <p:nvPr/>
+          </p:nvSpPr>
+          <p:spPr>
+            <a:xfrm>
+              <a:off x="3167449" y="5766487"/>
+              <a:ext cx="1338828" cy="646331"/>
+            </a:xfrm>
+            <a:prstGeom prst="rect">
+              <a:avLst/>
+            </a:prstGeom>
+          </p:spPr>
+          <p:style>
+            <a:lnRef idx="2">
+              <a:schemeClr val="accent1"/>
+            </a:lnRef>
+            <a:fillRef idx="1">
+              <a:schemeClr val="lt1"/>
+            </a:fillRef>
+            <a:effectRef idx="0">
+              <a:schemeClr val="accent1"/>
+            </a:effectRef>
+            <a:fontRef idx="minor">
+              <a:schemeClr val="dk1"/>
+            </a:fontRef>
+          </p:style>
+          <p:txBody>
+            <a:bodyPr wrap="none" rtlCol="0">
+              <a:spAutoFit/>
+            </a:bodyPr>
+            <a:lstStyle/>
+            <a:p>
+              <a:r>
+                <a:rPr lang="zh-CN" altLang="en-US" dirty="0" smtClean="0"/>
+                <a:t>可执行文件</a:t>
+              </a:r>
+              <a:endParaRPr lang="en-US" altLang="zh-CN" dirty="0" smtClean="0"/>
+            </a:p>
+            <a:p>
+              <a:pPr algn="ctr"/>
+              <a:r>
+                <a:rPr lang="en-US" altLang="zh-CN" dirty="0" smtClean="0"/>
+                <a:t>bin</a:t>
+              </a:r>
+              <a:r>
+                <a:rPr lang="zh-CN" altLang="en-US" dirty="0" smtClean="0"/>
+                <a:t>目录下</a:t>
+              </a:r>
+              <a:endParaRPr lang="en-US" dirty="0"/>
+            </a:p>
+          </p:txBody>
+        </p:sp>
+        <p:sp>
+          <p:nvSpPr>
+            <p:cNvPr id="28" name="TextBox 27"/>
+            <p:cNvSpPr txBox="1"/>
+            <p:nvPr/>
+          </p:nvSpPr>
+          <p:spPr>
+            <a:xfrm>
+              <a:off x="1190982" y="2244814"/>
+              <a:ext cx="1412566" cy="646331"/>
+            </a:xfrm>
+            <a:prstGeom prst="rect">
+              <a:avLst/>
+            </a:prstGeom>
+          </p:spPr>
+          <p:style>
+            <a:lnRef idx="2">
+              <a:schemeClr val="accent1"/>
+            </a:lnRef>
+            <a:fillRef idx="1">
+              <a:schemeClr val="lt1"/>
+            </a:fillRef>
+            <a:effectRef idx="0">
+              <a:schemeClr val="accent1"/>
+            </a:effectRef>
+            <a:fontRef idx="minor">
+              <a:schemeClr val="dk1"/>
+            </a:fontRef>
+          </p:style>
+          <p:txBody>
+            <a:bodyPr wrap="none" rtlCol="0">
+              <a:spAutoFit/>
+            </a:bodyPr>
+            <a:lstStyle/>
+            <a:p>
+              <a:r>
+                <a:rPr lang="en-US" altLang="zh-CN" dirty="0" err="1" smtClean="0"/>
+                <a:t>util</a:t>
+              </a:r>
+              <a:r>
+                <a:rPr lang="zh-CN" altLang="en-US" dirty="0" smtClean="0"/>
+                <a:t>包库文件</a:t>
+              </a:r>
+              <a:endParaRPr lang="en-US" altLang="zh-CN" dirty="0" smtClean="0"/>
+            </a:p>
+            <a:p>
+              <a:pPr algn="ctr"/>
+              <a:r>
+                <a:rPr lang="en-US" altLang="zh-CN" dirty="0" err="1" smtClean="0"/>
+                <a:t>src</a:t>
+              </a:r>
+              <a:r>
+                <a:rPr lang="zh-CN" altLang="en-US" dirty="0" smtClean="0"/>
+                <a:t>目录下</a:t>
+              </a:r>
+              <a:endParaRPr lang="en-US" dirty="0"/>
+            </a:p>
+          </p:txBody>
+        </p:sp>
+        <p:sp>
+          <p:nvSpPr>
+            <p:cNvPr id="32" name="TextBox 31"/>
+            <p:cNvSpPr txBox="1"/>
+            <p:nvPr/>
+          </p:nvSpPr>
+          <p:spPr>
+            <a:xfrm>
+              <a:off x="1190982" y="3611610"/>
+              <a:ext cx="1412566" cy="646331"/>
+            </a:xfrm>
+            <a:prstGeom prst="rect">
+              <a:avLst/>
+            </a:prstGeom>
+          </p:spPr>
+          <p:style>
+            <a:lnRef idx="2">
+              <a:schemeClr val="accent1"/>
+            </a:lnRef>
+            <a:fillRef idx="1">
+              <a:schemeClr val="lt1"/>
+            </a:fillRef>
+            <a:effectRef idx="0">
+              <a:schemeClr val="accent1"/>
+            </a:effectRef>
+            <a:fontRef idx="minor">
+              <a:schemeClr val="dk1"/>
+            </a:fontRef>
+          </p:style>
+          <p:txBody>
+            <a:bodyPr wrap="none" rtlCol="0">
+              <a:spAutoFit/>
+            </a:bodyPr>
+            <a:lstStyle/>
+            <a:p>
+              <a:pPr algn="ctr"/>
+              <a:r>
+                <a:rPr lang="en-US" altLang="zh-CN" dirty="0" err="1" smtClean="0"/>
+                <a:t>util</a:t>
+              </a:r>
+              <a:r>
+                <a:rPr lang="zh-CN" altLang="en-US" dirty="0" smtClean="0"/>
+                <a:t>包库文件</a:t>
+              </a:r>
+              <a:endParaRPr lang="en-US" altLang="zh-CN" dirty="0" smtClean="0"/>
+            </a:p>
+            <a:p>
+              <a:pPr algn="ctr"/>
+              <a:r>
+                <a:rPr lang="en-US" altLang="zh-CN" dirty="0" err="1" smtClean="0"/>
+                <a:t>pkg</a:t>
+              </a:r>
+              <a:r>
+                <a:rPr lang="zh-CN" altLang="en-US" dirty="0" smtClean="0"/>
+                <a:t>目录下</a:t>
+              </a:r>
+              <a:endParaRPr lang="en-US" dirty="0"/>
+            </a:p>
+          </p:txBody>
+        </p:sp>
+        <p:cxnSp>
+          <p:nvCxnSpPr>
+            <p:cNvPr id="39" name="Straight Arrow Connector 38"/>
+            <p:cNvCxnSpPr/>
+            <p:nvPr/>
+          </p:nvCxnSpPr>
+          <p:spPr>
+            <a:xfrm>
+              <a:off x="1897265" y="2891145"/>
+              <a:ext cx="0" cy="720465"/>
+            </a:xfrm>
+            <a:prstGeom prst="straightConnector1">
+              <a:avLst/>
+            </a:prstGeom>
+            <a:ln>
+              <a:tailEnd type="triangle"/>
+            </a:ln>
+          </p:spPr>
+          <p:style>
+            <a:lnRef idx="1">
+              <a:schemeClr val="accent1"/>
+            </a:lnRef>
+            <a:fillRef idx="0">
+              <a:schemeClr val="accent1"/>
+            </a:fillRef>
+            <a:effectRef idx="0">
+              <a:schemeClr val="accent1"/>
+            </a:effectRef>
+            <a:fontRef idx="minor">
+              <a:schemeClr val="tx1"/>
+            </a:fontRef>
+          </p:style>
+        </p:cxnSp>
+        <p:cxnSp>
+          <p:nvCxnSpPr>
+            <p:cNvPr id="43" name="Elbow Connector 42"/>
+            <p:cNvCxnSpPr>
+              <a:stCxn id="32" idx="2"/>
+              <a:endCxn id="27" idx="0"/>
+            </p:cNvCxnSpPr>
+            <p:nvPr/>
+          </p:nvCxnSpPr>
+          <p:spPr>
+            <a:xfrm rot="16200000" flipH="1">
+              <a:off x="2112791" y="4042415"/>
+              <a:ext cx="1508546" cy="1939598"/>
+            </a:xfrm>
+            <a:prstGeom prst="bentConnector3">
+              <a:avLst>
+                <a:gd name="adj1" fmla="val 50000"/>
+              </a:avLst>
+            </a:prstGeom>
+            <a:ln>
+              <a:tailEnd type="triangle"/>
+            </a:ln>
+          </p:spPr>
+          <p:style>
+            <a:lnRef idx="1">
+              <a:schemeClr val="accent1"/>
+            </a:lnRef>
+            <a:fillRef idx="0">
+              <a:schemeClr val="accent1"/>
+            </a:fillRef>
+            <a:effectRef idx="0">
+              <a:schemeClr val="accent1"/>
+            </a:effectRef>
+            <a:fontRef idx="minor">
+              <a:schemeClr val="tx1"/>
+            </a:fontRef>
+          </p:style>
+        </p:cxnSp>
+        <p:sp>
+          <p:nvSpPr>
+            <p:cNvPr id="46" name="TextBox 45"/>
+            <p:cNvSpPr txBox="1"/>
+            <p:nvPr/>
+          </p:nvSpPr>
+          <p:spPr>
+            <a:xfrm>
+              <a:off x="1095634" y="3102238"/>
+              <a:ext cx="646331" cy="369332"/>
+            </a:xfrm>
+            <a:prstGeom prst="rect">
+              <a:avLst/>
+            </a:prstGeom>
+            <a:noFill/>
+          </p:spPr>
+          <p:txBody>
+            <a:bodyPr wrap="none" rtlCol="0">
+              <a:spAutoFit/>
+            </a:bodyPr>
+            <a:lstStyle/>
+            <a:p>
+              <a:r>
+                <a:rPr lang="zh-CN" altLang="en-US" smtClean="0"/>
+                <a:t>编译</a:t>
+              </a:r>
+              <a:endParaRPr lang="en-US" dirty="0"/>
+            </a:p>
+          </p:txBody>
+        </p:sp>
+        <p:sp>
+          <p:nvSpPr>
+            <p:cNvPr id="47" name="TextBox 46"/>
+            <p:cNvSpPr txBox="1"/>
+            <p:nvPr/>
+          </p:nvSpPr>
+          <p:spPr>
+            <a:xfrm>
+              <a:off x="3513697" y="4573544"/>
+              <a:ext cx="646331" cy="369332"/>
+            </a:xfrm>
+            <a:prstGeom prst="rect">
+              <a:avLst/>
+            </a:prstGeom>
+            <a:noFill/>
+          </p:spPr>
+          <p:txBody>
+            <a:bodyPr wrap="none" rtlCol="0">
+              <a:spAutoFit/>
+            </a:bodyPr>
+            <a:lstStyle/>
+            <a:p>
+              <a:r>
+                <a:rPr lang="zh-CN" altLang="en-US" dirty="0" smtClean="0"/>
+                <a:t>链接</a:t>
+              </a:r>
+              <a:endParaRPr lang="en-US" dirty="0"/>
+            </a:p>
+          </p:txBody>
+        </p:sp>
+        <p:sp>
+          <p:nvSpPr>
+            <p:cNvPr id="48" name="TextBox 47"/>
+            <p:cNvSpPr txBox="1"/>
+            <p:nvPr/>
+          </p:nvSpPr>
+          <p:spPr>
+            <a:xfrm>
+              <a:off x="4770390" y="757960"/>
+              <a:ext cx="1529586" cy="646331"/>
+            </a:xfrm>
+            <a:prstGeom prst="rect">
+              <a:avLst/>
+            </a:prstGeom>
+          </p:spPr>
+          <p:style>
+            <a:lnRef idx="2">
+              <a:schemeClr val="accent1"/>
+            </a:lnRef>
+            <a:fillRef idx="1">
+              <a:schemeClr val="lt1"/>
+            </a:fillRef>
+            <a:effectRef idx="0">
+              <a:schemeClr val="accent1"/>
+            </a:effectRef>
+            <a:fontRef idx="minor">
+              <a:schemeClr val="dk1"/>
+            </a:fontRef>
+          </p:style>
+          <p:txBody>
+            <a:bodyPr wrap="none" rtlCol="0">
+              <a:spAutoFit/>
+            </a:bodyPr>
+            <a:lstStyle/>
+            <a:p>
+              <a:r>
+                <a:rPr lang="en-US" altLang="zh-CN" dirty="0" smtClean="0"/>
+                <a:t>util2</a:t>
+              </a:r>
+              <a:r>
+                <a:rPr lang="zh-CN" altLang="en-US" dirty="0" smtClean="0"/>
+                <a:t>包库文件</a:t>
+              </a:r>
+              <a:endParaRPr lang="en-US" altLang="zh-CN" dirty="0" smtClean="0"/>
+            </a:p>
+            <a:p>
+              <a:pPr algn="ctr"/>
+              <a:r>
+                <a:rPr lang="en-US" altLang="zh-CN" dirty="0" err="1" smtClean="0"/>
+                <a:t>src</a:t>
+              </a:r>
+              <a:r>
+                <a:rPr lang="zh-CN" altLang="en-US" dirty="0" smtClean="0"/>
+                <a:t>目录下</a:t>
+              </a:r>
+              <a:endParaRPr lang="en-US" dirty="0"/>
+            </a:p>
+          </p:txBody>
+        </p:sp>
+        <p:sp>
+          <p:nvSpPr>
+            <p:cNvPr id="49" name="TextBox 48"/>
+            <p:cNvSpPr txBox="1"/>
+            <p:nvPr/>
+          </p:nvSpPr>
+          <p:spPr>
+            <a:xfrm>
+              <a:off x="4770390" y="2124756"/>
+              <a:ext cx="1529586" cy="646331"/>
+            </a:xfrm>
+            <a:prstGeom prst="rect">
+              <a:avLst/>
+            </a:prstGeom>
+          </p:spPr>
+          <p:style>
+            <a:lnRef idx="2">
+              <a:schemeClr val="accent1"/>
+            </a:lnRef>
+            <a:fillRef idx="1">
+              <a:schemeClr val="lt1"/>
+            </a:fillRef>
+            <a:effectRef idx="0">
+              <a:schemeClr val="accent1"/>
+            </a:effectRef>
+            <a:fontRef idx="minor">
+              <a:schemeClr val="dk1"/>
+            </a:fontRef>
+          </p:style>
+          <p:txBody>
+            <a:bodyPr wrap="none" rtlCol="0">
+              <a:spAutoFit/>
+            </a:bodyPr>
+            <a:lstStyle/>
+            <a:p>
+              <a:pPr algn="ctr"/>
+              <a:r>
+                <a:rPr lang="en-US" altLang="zh-CN" dirty="0" smtClean="0"/>
+                <a:t>util2</a:t>
+              </a:r>
+              <a:r>
+                <a:rPr lang="zh-CN" altLang="en-US" dirty="0" smtClean="0"/>
+                <a:t>包库文件</a:t>
+              </a:r>
+              <a:endParaRPr lang="en-US" altLang="zh-CN" dirty="0" smtClean="0"/>
+            </a:p>
+            <a:p>
+              <a:pPr algn="ctr"/>
+              <a:r>
+                <a:rPr lang="en-US" altLang="zh-CN" dirty="0" err="1" smtClean="0"/>
+                <a:t>pkg</a:t>
+              </a:r>
+              <a:r>
+                <a:rPr lang="zh-CN" altLang="en-US" dirty="0" smtClean="0"/>
+                <a:t>目录下</a:t>
+              </a:r>
+              <a:endParaRPr lang="en-US" dirty="0"/>
+            </a:p>
+          </p:txBody>
+        </p:sp>
+        <p:cxnSp>
+          <p:nvCxnSpPr>
+            <p:cNvPr id="50" name="Straight Arrow Connector 49"/>
+            <p:cNvCxnSpPr>
+              <a:stCxn id="48" idx="2"/>
+              <a:endCxn id="49" idx="0"/>
+            </p:cNvCxnSpPr>
+            <p:nvPr/>
+          </p:nvCxnSpPr>
+          <p:spPr>
+            <a:xfrm>
+              <a:off x="5535183" y="1404291"/>
+              <a:ext cx="0" cy="720465"/>
+            </a:xfrm>
+            <a:prstGeom prst="straightConnector1">
+              <a:avLst/>
+            </a:prstGeom>
+            <a:ln>
+              <a:tailEnd type="triangle"/>
+            </a:ln>
+          </p:spPr>
+          <p:style>
+            <a:lnRef idx="1">
+              <a:schemeClr val="accent1"/>
+            </a:lnRef>
+            <a:fillRef idx="0">
+              <a:schemeClr val="accent1"/>
+            </a:fillRef>
+            <a:effectRef idx="0">
+              <a:schemeClr val="accent1"/>
+            </a:effectRef>
+            <a:fontRef idx="minor">
+              <a:schemeClr val="tx1"/>
+            </a:fontRef>
+          </p:style>
+        </p:cxnSp>
+        <p:sp>
+          <p:nvSpPr>
+            <p:cNvPr id="51" name="TextBox 50"/>
+            <p:cNvSpPr txBox="1"/>
+            <p:nvPr/>
+          </p:nvSpPr>
+          <p:spPr>
+            <a:xfrm>
+              <a:off x="4963102" y="1615384"/>
+              <a:ext cx="646331" cy="369332"/>
+            </a:xfrm>
+            <a:prstGeom prst="rect">
+              <a:avLst/>
+            </a:prstGeom>
+            <a:noFill/>
+          </p:spPr>
+          <p:txBody>
+            <a:bodyPr wrap="none" rtlCol="0">
+              <a:spAutoFit/>
+            </a:bodyPr>
+            <a:lstStyle/>
+            <a:p>
+              <a:r>
+                <a:rPr lang="zh-CN" altLang="en-US" smtClean="0"/>
+                <a:t>编译</a:t>
+              </a:r>
+              <a:endParaRPr lang="en-US" dirty="0"/>
+            </a:p>
+          </p:txBody>
+        </p:sp>
+        <p:cxnSp>
+          <p:nvCxnSpPr>
+            <p:cNvPr id="52" name="Elbow Connector 51"/>
+            <p:cNvCxnSpPr>
+              <a:stCxn id="49" idx="2"/>
+              <a:endCxn id="27" idx="0"/>
+            </p:cNvCxnSpPr>
+            <p:nvPr/>
+          </p:nvCxnSpPr>
+          <p:spPr>
+            <a:xfrm rot="5400000">
+              <a:off x="3188323" y="3419627"/>
+              <a:ext cx="2995400" cy="1698320"/>
+            </a:xfrm>
+            <a:prstGeom prst="bentConnector3">
+              <a:avLst>
+                <a:gd name="adj1" fmla="val 75164"/>
+              </a:avLst>
+            </a:prstGeom>
+            <a:ln>
+              <a:tailEnd type="triangle"/>
+            </a:ln>
+          </p:spPr>
+          <p:style>
+            <a:lnRef idx="1">
+              <a:schemeClr val="accent1"/>
+            </a:lnRef>
+            <a:fillRef idx="0">
+              <a:schemeClr val="accent1"/>
+            </a:fillRef>
+            <a:effectRef idx="0">
+              <a:schemeClr val="accent1"/>
+            </a:effectRef>
+            <a:fontRef idx="minor">
+              <a:schemeClr val="tx1"/>
+            </a:fontRef>
+          </p:style>
+        </p:cxnSp>
+        <p:cxnSp>
+          <p:nvCxnSpPr>
+            <p:cNvPr id="53" name="Straight Arrow Connector 52"/>
+            <p:cNvCxnSpPr>
+              <a:stCxn id="28" idx="3"/>
+            </p:cNvCxnSpPr>
+            <p:nvPr/>
+          </p:nvCxnSpPr>
+          <p:spPr>
+            <a:xfrm flipV="1">
+              <a:off x="2603548" y="1081126"/>
+              <a:ext cx="2166842" cy="1486854"/>
+            </a:xfrm>
+            <a:prstGeom prst="straightConnector1">
+              <a:avLst/>
+            </a:prstGeom>
+            <a:ln>
+              <a:prstDash val="dash"/>
+              <a:tailEnd type="triangle"/>
+            </a:ln>
+          </p:spPr>
+          <p:style>
+            <a:lnRef idx="1">
+              <a:schemeClr val="accent1"/>
+            </a:lnRef>
+            <a:fillRef idx="0">
+              <a:schemeClr val="accent1"/>
+            </a:fillRef>
+            <a:effectRef idx="0">
+              <a:schemeClr val="accent1"/>
+            </a:effectRef>
+            <a:fontRef idx="minor">
+              <a:schemeClr val="tx1"/>
+            </a:fontRef>
+          </p:style>
+        </p:cxnSp>
+        <p:sp>
+          <p:nvSpPr>
+            <p:cNvPr id="54" name="TextBox 53"/>
+            <p:cNvSpPr txBox="1"/>
+            <p:nvPr/>
+          </p:nvSpPr>
+          <p:spPr>
+            <a:xfrm>
+              <a:off x="2917638" y="1377940"/>
+              <a:ext cx="646331" cy="369332"/>
+            </a:xfrm>
+            <a:prstGeom prst="rect">
+              <a:avLst/>
+            </a:prstGeom>
+            <a:noFill/>
+          </p:spPr>
+          <p:txBody>
+            <a:bodyPr wrap="none" rtlCol="0">
+              <a:spAutoFit/>
+            </a:bodyPr>
+            <a:lstStyle/>
+            <a:p>
+              <a:r>
+                <a:rPr lang="zh-CN" altLang="en-US" dirty="0" smtClean="0"/>
+                <a:t>依赖</a:t>
+              </a:r>
+              <a:endParaRPr lang="en-US" dirty="0"/>
+            </a:p>
+          </p:txBody>
+        </p:sp>
+      </p:grpSp>
+    </p:spTree>
+    <p:extLst>
+      <p:ext uri="{BB962C8B-B14F-4D97-AF65-F5344CB8AC3E}">
+        <p14:creationId xmlns:p14="http://schemas.microsoft.com/office/powerpoint/2010/main" val="1744263105"/>
+      </p:ext>
+    </p:extLst>
+  </p:cSld>
+  <p:clrMapOvr>
+    <a:masterClrMapping/>
+  </p:clrMapOvr>
+</p:sld>
+</file>
+
 <file path=ppt/theme/theme1.xml><?xml version="1.0" encoding="utf-8"?>
 <a:theme xmlns:a="http://schemas.openxmlformats.org/drawingml/2006/main" name="Office Theme">
   <a:themeElements>
